--- a/slides.pptx
+++ b/slides.pptx
@@ -20574,15 +20574,30 @@
             </a:pPr>
             <a:r>
               <a:rPr lang="en-US" sz="1200" dirty="0"/>
-              <a:t>Hello everyone, welcome to my talk, “shared functionality using middleware”. My name is Amit Saha and I work as a software engineer at Atlassian, in Sydney, Australia. It’s been a long journey to here, </a:t>
-            </a:r>
-            <a:r>
-              <a:rPr lang="en-US" sz="1200" dirty="0" err="1"/>
-              <a:t>infornt</a:t>
-            </a:r>
+              <a:t>Hello everyone, welcome to my talk, “implementing shared functionality using middleware”. My name is Amit Saha and I work as a software engineer at Atlassian, in Sydney, Australia. It’s been a long journey to be here standing in front of all of you, literally and figuratively. </a:t>
+            </a:r>
+          </a:p>
+          <a:p>
+            <a:pPr marL="0" indent="0">
+              <a:buNone/>
+            </a:pPr>
+            <a:endParaRPr lang="en-US" sz="1200" dirty="0"/>
+          </a:p>
+          <a:p>
+            <a:pPr marL="0" indent="0">
+              <a:buNone/>
+            </a:pPr>
             <a:r>
               <a:rPr lang="en-US" sz="1200" dirty="0"/>
-              <a:t> of all of you, literally and figuratively. This is the most excited I have ever been to be presenting at a conference, and I am not sure who is winning – my excitement or my anxiety.</a:t>
+              <a:t>This is the most excited I have ever been to be presenting at a conference, so much as that anxiety is </a:t>
+            </a:r>
+            <a:r>
+              <a:rPr lang="en-US" sz="1200"/>
+              <a:t>falling behind.</a:t>
+            </a:r>
+            <a:r>
+              <a:rPr lang="en-US" sz="1200" dirty="0"/>
+              <a:t>	</a:t>
             </a:r>
           </a:p>
           <a:p>
@@ -21301,7 +21316,15 @@
             </a:pPr>
             <a:r>
               <a:rPr lang="en-US" sz="1200" dirty="0"/>
-              <a:t>But these are WSGI frameworks, which means they define WSGI applications. Could we write middleware in a framework independent way? It turns out we can. </a:t>
+              <a:t>As we have just seen, the way we write a middleware for Flask is different from Django. Could we write middleware in a framework independent way? It turns out we can. These are WSGI frameworks, which means they define WSGI </a:t>
+            </a:r>
+            <a:r>
+              <a:rPr lang="en-US" sz="1200" dirty="0" err="1"/>
+              <a:t>applications..and</a:t>
+            </a:r>
+            <a:r>
+              <a:rPr lang="en-US" sz="1200" dirty="0"/>
+              <a:t> there lies the answer as we shall see next.</a:t>
             </a:r>
             <a:endParaRPr lang="en-US" dirty="0"/>
           </a:p>
@@ -23006,7 +23029,7 @@
           <a:p>
             <a:r>
               <a:rPr lang="en-US" dirty="0"/>
-              <a:t>Let’s get started!</a:t>
+              <a:t>Let’s follow our curiosity!</a:t>
             </a:r>
           </a:p>
         </p:txBody>
@@ -28352,13 +28375,13 @@
         </p:spPr>
         <p:txBody>
           <a:bodyPr vert="horz" lIns="91440" tIns="45720" rIns="91440" bIns="45720" rtlCol="0" anchor="b">
-            <a:normAutofit/>
+            <a:normAutofit fontScale="90000"/>
           </a:bodyPr>
           <a:lstStyle/>
           <a:p>
             <a:r>
               <a:rPr lang="en-US" sz="5400" dirty="0"/>
-              <a:t>Shared Functionality using Middleware</a:t>
+              <a:t>Implementing Shared Functionality using Middleware</a:t>
             </a:r>
           </a:p>
         </p:txBody>
